--- a/slides/mlps/templates/step2.pptx
+++ b/slides/mlps/templates/step2.pptx
@@ -107,6 +107,11 @@
       </a:defRPr>
     </a:lvl9pPr>
   </p:defaultTextStyle>
+  <p:extLst>
+    <p:ext uri="{EFAFB233-063F-42B5-8137-9DF3F51BA10A}">
+      <p15:sldGuideLst xmlns:p15="http://schemas.microsoft.com/office/powerpoint/2012/main"/>
+    </p:ext>
+  </p:extLst>
 </p:presentation>
 </file>
 
@@ -220,7 +225,7 @@
           <a:p>
             <a:fld id="{8FFBF52D-E596-9147-A5FD-95379706AFA2}" type="datetimeFigureOut">
               <a:rPr lang="en-DE" smtClean="0"/>
-              <a:t>17.01.21</a:t>
+              <a:t>14/10/2021</a:t>
             </a:fld>
             <a:endParaRPr lang="en-DE"/>
           </a:p>
@@ -750,7 +755,7 @@
           <a:p>
             <a:fld id="{9A2B94E9-2E09-8A40-B5E5-C08521E2FBFA}" type="datetimeFigureOut">
               <a:rPr lang="en-DE" smtClean="0"/>
-              <a:t>17.01.21</a:t>
+              <a:t>14/10/2021</a:t>
             </a:fld>
             <a:endParaRPr lang="en-DE"/>
           </a:p>
@@ -950,7 +955,7 @@
           <a:p>
             <a:fld id="{9A2B94E9-2E09-8A40-B5E5-C08521E2FBFA}" type="datetimeFigureOut">
               <a:rPr lang="en-DE" smtClean="0"/>
-              <a:t>17.01.21</a:t>
+              <a:t>14/10/2021</a:t>
             </a:fld>
             <a:endParaRPr lang="en-DE"/>
           </a:p>
@@ -1160,7 +1165,7 @@
           <a:p>
             <a:fld id="{9A2B94E9-2E09-8A40-B5E5-C08521E2FBFA}" type="datetimeFigureOut">
               <a:rPr lang="en-DE" smtClean="0"/>
-              <a:t>17.01.21</a:t>
+              <a:t>14/10/2021</a:t>
             </a:fld>
             <a:endParaRPr lang="en-DE"/>
           </a:p>
@@ -1719,7 +1724,7 @@
           <a:p>
             <a:fld id="{9A2B94E9-2E09-8A40-B5E5-C08521E2FBFA}" type="datetimeFigureOut">
               <a:rPr lang="en-DE" smtClean="0"/>
-              <a:t>17.01.21</a:t>
+              <a:t>14/10/2021</a:t>
             </a:fld>
             <a:endParaRPr lang="en-DE"/>
           </a:p>
@@ -1995,7 +2000,7 @@
           <a:p>
             <a:fld id="{9A2B94E9-2E09-8A40-B5E5-C08521E2FBFA}" type="datetimeFigureOut">
               <a:rPr lang="en-DE" smtClean="0"/>
-              <a:t>17.01.21</a:t>
+              <a:t>14/10/2021</a:t>
             </a:fld>
             <a:endParaRPr lang="en-DE"/>
           </a:p>
@@ -2263,7 +2268,7 @@
           <a:p>
             <a:fld id="{9A2B94E9-2E09-8A40-B5E5-C08521E2FBFA}" type="datetimeFigureOut">
               <a:rPr lang="en-DE" smtClean="0"/>
-              <a:t>17.01.21</a:t>
+              <a:t>14/10/2021</a:t>
             </a:fld>
             <a:endParaRPr lang="en-DE"/>
           </a:p>
@@ -2678,7 +2683,7 @@
           <a:p>
             <a:fld id="{9A2B94E9-2E09-8A40-B5E5-C08521E2FBFA}" type="datetimeFigureOut">
               <a:rPr lang="en-DE" smtClean="0"/>
-              <a:t>17.01.21</a:t>
+              <a:t>14/10/2021</a:t>
             </a:fld>
             <a:endParaRPr lang="en-DE"/>
           </a:p>
@@ -2820,7 +2825,7 @@
           <a:p>
             <a:fld id="{9A2B94E9-2E09-8A40-B5E5-C08521E2FBFA}" type="datetimeFigureOut">
               <a:rPr lang="en-DE" smtClean="0"/>
-              <a:t>17.01.21</a:t>
+              <a:t>14/10/2021</a:t>
             </a:fld>
             <a:endParaRPr lang="en-DE"/>
           </a:p>
@@ -2933,7 +2938,7 @@
           <a:p>
             <a:fld id="{9A2B94E9-2E09-8A40-B5E5-C08521E2FBFA}" type="datetimeFigureOut">
               <a:rPr lang="en-DE" smtClean="0"/>
-              <a:t>17.01.21</a:t>
+              <a:t>14/10/2021</a:t>
             </a:fld>
             <a:endParaRPr lang="en-DE"/>
           </a:p>
@@ -3246,7 +3251,7 @@
           <a:p>
             <a:fld id="{9A2B94E9-2E09-8A40-B5E5-C08521E2FBFA}" type="datetimeFigureOut">
               <a:rPr lang="en-DE" smtClean="0"/>
-              <a:t>17.01.21</a:t>
+              <a:t>14/10/2021</a:t>
             </a:fld>
             <a:endParaRPr lang="en-DE"/>
           </a:p>
@@ -3535,7 +3540,7 @@
           <a:p>
             <a:fld id="{9A2B94E9-2E09-8A40-B5E5-C08521E2FBFA}" type="datetimeFigureOut">
               <a:rPr lang="en-DE" smtClean="0"/>
-              <a:t>17.01.21</a:t>
+              <a:t>14/10/2021</a:t>
             </a:fld>
             <a:endParaRPr lang="en-DE"/>
           </a:p>
@@ -3778,7 +3783,7 @@
           <a:p>
             <a:fld id="{9A2B94E9-2E09-8A40-B5E5-C08521E2FBFA}" type="datetimeFigureOut">
               <a:rPr lang="en-DE" smtClean="0"/>
-              <a:t>17.01.21</a:t>
+              <a:t>14/10/2021</a:t>
             </a:fld>
             <a:endParaRPr lang="en-DE"/>
           </a:p>
@@ -4211,9 +4216,9 @@
         <p:grpSpPr>
           <a:xfrm>
             <a:off x="3280658" y="1989450"/>
-            <a:ext cx="5630685" cy="2879100"/>
+            <a:ext cx="4122032" cy="2585600"/>
             <a:chOff x="2460493" y="1492087"/>
-            <a:chExt cx="4223014" cy="2159325"/>
+            <a:chExt cx="3091524" cy="1939200"/>
           </a:xfrm>
         </p:grpSpPr>
         <p:grpSp>
@@ -4231,9 +4236,9 @@
           <p:grpSpPr>
             <a:xfrm>
               <a:off x="2460493" y="1492087"/>
-              <a:ext cx="4223014" cy="2159325"/>
+              <a:ext cx="3091524" cy="1939200"/>
               <a:chOff x="1299525" y="1687775"/>
-              <a:chExt cx="4223014" cy="2159325"/>
+              <a:chExt cx="3091524" cy="1939200"/>
             </a:xfrm>
           </p:grpSpPr>
           <p:sp>
@@ -4498,68 +4503,12 @@
           </p:cxnSp>
           <p:pic>
             <p:nvPicPr>
-              <p:cNvPr id="206" name="Google Shape;206;p18" descr="f(x)=\tau(z) " title="MathEquation,#000000"/>
+              <p:cNvPr id="209" name="Google Shape;209;p18" descr="x_1" title="MathEquation,#000000"/>
               <p:cNvPicPr preferRelativeResize="0"/>
               <p:nvPr/>
             </p:nvPicPr>
             <p:blipFill>
               <a:blip r:embed="rId3">
-                <a:alphaModFix/>
-              </a:blip>
-              <a:stretch>
-                <a:fillRect/>
-              </a:stretch>
-            </p:blipFill>
-            <p:spPr>
-              <a:xfrm>
-                <a:off x="2863875" y="3188650"/>
-                <a:ext cx="1193776" cy="276050"/>
-              </a:xfrm>
-              <a:prstGeom prst="rect">
-                <a:avLst/>
-              </a:prstGeom>
-              <a:noFill/>
-              <a:ln>
-                <a:noFill/>
-              </a:ln>
-            </p:spPr>
-          </p:pic>
-          <p:pic>
-            <p:nvPicPr>
-              <p:cNvPr id="207" name="Google Shape;207;p18" descr="= \tau(w_1x_1 + w_2x_2 + w_3x_3 + b)" title="MathEquation,#000000"/>
-              <p:cNvPicPr preferRelativeResize="0"/>
-              <p:nvPr/>
-            </p:nvPicPr>
-            <p:blipFill>
-              <a:blip r:embed="rId4">
-                <a:alphaModFix/>
-              </a:blip>
-              <a:stretch>
-                <a:fillRect/>
-              </a:stretch>
-            </p:blipFill>
-            <p:spPr>
-              <a:xfrm>
-                <a:off x="2412125" y="3571050"/>
-                <a:ext cx="3110414" cy="276050"/>
-              </a:xfrm>
-              <a:prstGeom prst="rect">
-                <a:avLst/>
-              </a:prstGeom>
-              <a:noFill/>
-              <a:ln>
-                <a:noFill/>
-              </a:ln>
-            </p:spPr>
-          </p:pic>
-          <p:pic>
-            <p:nvPicPr>
-              <p:cNvPr id="209" name="Google Shape;209;p18" descr="x_1" title="MathEquation,#000000"/>
-              <p:cNvPicPr preferRelativeResize="0"/>
-              <p:nvPr/>
-            </p:nvPicPr>
-            <p:blipFill>
-              <a:blip r:embed="rId5">
                 <a:alphaModFix/>
               </a:blip>
               <a:stretch>
@@ -4587,7 +4536,7 @@
               <p:nvPr/>
             </p:nvPicPr>
             <p:blipFill>
-              <a:blip r:embed="rId6">
+              <a:blip r:embed="rId4">
                 <a:alphaModFix/>
               </a:blip>
               <a:stretch>
@@ -4615,7 +4564,7 @@
               <p:nvPr/>
             </p:nvPicPr>
             <p:blipFill>
-              <a:blip r:embed="rId7">
+              <a:blip r:embed="rId5">
                 <a:alphaModFix/>
               </a:blip>
               <a:stretch>
@@ -4643,7 +4592,7 @@
               <p:nvPr/>
             </p:nvPicPr>
             <p:blipFill>
-              <a:blip r:embed="rId8">
+              <a:blip r:embed="rId6">
                 <a:alphaModFix/>
               </a:blip>
               <a:stretch>
@@ -4671,7 +4620,7 @@
               <p:nvPr/>
             </p:nvPicPr>
             <p:blipFill>
-              <a:blip r:embed="rId9">
+              <a:blip r:embed="rId7">
                 <a:alphaModFix/>
               </a:blip>
               <a:stretch>
@@ -4699,7 +4648,7 @@
               <p:nvPr/>
             </p:nvPicPr>
             <p:blipFill>
-              <a:blip r:embed="rId10">
+              <a:blip r:embed="rId8">
                 <a:alphaModFix/>
               </a:blip>
               <a:stretch>
@@ -4723,7 +4672,7 @@
         </p:grpSp>
         <mc:AlternateContent xmlns:mc="http://schemas.openxmlformats.org/markup-compatibility/2006" xmlns:p14="http://schemas.microsoft.com/office/powerpoint/2010/main">
           <mc:Choice Requires="p14">
-            <p:contentPart p14:bwMode="auto" r:id="rId11">
+            <p:contentPart p14:bwMode="auto" r:id="rId9">
               <p14:nvContentPartPr>
                 <p14:cNvPr id="50" name="Ink 49">
                   <a:extLst>
@@ -4777,6 +4726,367 @@
           </mc:Fallback>
         </mc:AlternateContent>
       </p:grpSp>
+      <mc:AlternateContent xmlns:mc="http://schemas.openxmlformats.org/markup-compatibility/2006">
+        <mc:Choice xmlns:a14="http://schemas.microsoft.com/office/drawing/2010/main" Requires="a14">
+          <p:sp>
+            <p:nvSpPr>
+              <p:cNvPr id="3" name="TextBox 2">
+                <a:extLst>
+                  <a:ext uri="{FF2B5EF4-FFF2-40B4-BE49-F238E27FC236}">
+                    <a16:creationId xmlns:a16="http://schemas.microsoft.com/office/drawing/2014/main" id="{E5CAB3D4-D50F-45AE-BEFA-AE82174CEDF1}"/>
+                  </a:ext>
+                </a:extLst>
+              </p:cNvPr>
+              <p:cNvSpPr txBox="1"/>
+              <p:nvPr/>
+            </p:nvSpPr>
+            <p:spPr>
+              <a:xfrm>
+                <a:off x="4849168" y="4022059"/>
+                <a:ext cx="4322273" cy="677108"/>
+              </a:xfrm>
+              <a:prstGeom prst="rect">
+                <a:avLst/>
+              </a:prstGeom>
+              <a:noFill/>
+            </p:spPr>
+            <p:txBody>
+              <a:bodyPr wrap="none" lIns="0" tIns="0" rIns="0" bIns="0" rtlCol="0">
+                <a:spAutoFit/>
+              </a:bodyPr>
+              <a:lstStyle/>
+              <a:p>
+                <a:pPr/>
+                <a14:m>
+                  <m:oMathPara xmlns:m="http://schemas.openxmlformats.org/officeDocument/2006/math">
+                    <m:oMathParaPr>
+                      <m:jc m:val="centerGroup"/>
+                    </m:oMathParaPr>
+                    <m:oMath xmlns:m="http://schemas.openxmlformats.org/officeDocument/2006/math">
+                      <m:r>
+                        <a:rPr lang="en-GB" sz="2200" b="0" i="1" smtClean="0">
+                          <a:latin typeface="Cambria Math" panose="02040503050406030204" pitchFamily="18" charset="0"/>
+                        </a:rPr>
+                        <m:t>𝑓</m:t>
+                      </m:r>
+                      <m:d>
+                        <m:dPr>
+                          <m:ctrlPr>
+                            <a:rPr lang="en-GB" sz="2200" i="1" smtClean="0">
+                              <a:latin typeface="Cambria Math" panose="02040503050406030204" pitchFamily="18" charset="0"/>
+                            </a:rPr>
+                          </m:ctrlPr>
+                        </m:dPr>
+                        <m:e>
+                          <m:r>
+                            <a:rPr lang="en-GB" sz="2200" b="0" i="1" smtClean="0">
+                              <a:latin typeface="Cambria Math" panose="02040503050406030204" pitchFamily="18" charset="0"/>
+                            </a:rPr>
+                            <m:t>𝑥</m:t>
+                          </m:r>
+                        </m:e>
+                      </m:d>
+                      <m:r>
+                        <a:rPr lang="en-GB" sz="2200" b="0" i="1" smtClean="0">
+                          <a:latin typeface="Cambria Math" panose="02040503050406030204" pitchFamily="18" charset="0"/>
+                        </a:rPr>
+                        <m:t>=</m:t>
+                      </m:r>
+                      <m:r>
+                        <a:rPr lang="en-GB" sz="2200" b="0" i="1" smtClean="0">
+                          <a:latin typeface="Cambria Math" panose="02040503050406030204" pitchFamily="18" charset="0"/>
+                        </a:rPr>
+                        <m:t>𝜏</m:t>
+                      </m:r>
+                      <m:d>
+                        <m:dPr>
+                          <m:ctrlPr>
+                            <a:rPr lang="en-GB" sz="2200" i="1" smtClean="0">
+                              <a:latin typeface="Cambria Math" panose="02040503050406030204" pitchFamily="18" charset="0"/>
+                            </a:rPr>
+                          </m:ctrlPr>
+                        </m:dPr>
+                        <m:e>
+                          <m:sSub>
+                            <m:sSubPr>
+                              <m:ctrlPr>
+                                <a:rPr lang="en-GB" sz="2200" i="1" smtClean="0">
+                                  <a:latin typeface="Cambria Math" panose="02040503050406030204" pitchFamily="18" charset="0"/>
+                                </a:rPr>
+                              </m:ctrlPr>
+                            </m:sSubPr>
+                            <m:e>
+                              <m:r>
+                                <a:rPr lang="en-GB" sz="2200" b="0" i="1" smtClean="0">
+                                  <a:latin typeface="Cambria Math" panose="02040503050406030204" pitchFamily="18" charset="0"/>
+                                </a:rPr>
+                                <m:t>𝑧</m:t>
+                              </m:r>
+                            </m:e>
+                            <m:sub>
+                              <m:r>
+                                <a:rPr lang="en-GB" sz="2200" b="0" i="1" smtClean="0">
+                                  <a:latin typeface="Cambria Math" panose="02040503050406030204" pitchFamily="18" charset="0"/>
+                                </a:rPr>
+                                <m:t>𝑖𝑛</m:t>
+                              </m:r>
+                            </m:sub>
+                          </m:sSub>
+                        </m:e>
+                      </m:d>
+                    </m:oMath>
+                    <m:oMath xmlns:m="http://schemas.openxmlformats.org/officeDocument/2006/math">
+                      <m:r>
+                        <a:rPr lang="en-GB" sz="2200" b="0" i="1" smtClean="0">
+                          <a:latin typeface="Cambria Math" panose="02040503050406030204" pitchFamily="18" charset="0"/>
+                        </a:rPr>
+                        <m:t>          =</m:t>
+                      </m:r>
+                      <m:r>
+                        <a:rPr lang="en-GB" sz="2200" b="0" i="1" smtClean="0">
+                          <a:latin typeface="Cambria Math" panose="02040503050406030204" pitchFamily="18" charset="0"/>
+                        </a:rPr>
+                        <m:t>𝜏</m:t>
+                      </m:r>
+                      <m:r>
+                        <a:rPr lang="en-GB" sz="2200" b="0" i="1" smtClean="0">
+                          <a:latin typeface="Cambria Math" panose="02040503050406030204" pitchFamily="18" charset="0"/>
+                        </a:rPr>
+                        <m:t>(</m:t>
+                      </m:r>
+                      <m:sSub>
+                        <m:sSubPr>
+                          <m:ctrlPr>
+                            <a:rPr lang="en-GB" sz="2200" i="1" smtClean="0">
+                              <a:latin typeface="Cambria Math" panose="02040503050406030204" pitchFamily="18" charset="0"/>
+                            </a:rPr>
+                          </m:ctrlPr>
+                        </m:sSubPr>
+                        <m:e>
+                          <m:r>
+                            <a:rPr lang="en-GB" sz="2200" b="0" i="1" smtClean="0">
+                              <a:latin typeface="Cambria Math" panose="02040503050406030204" pitchFamily="18" charset="0"/>
+                            </a:rPr>
+                            <m:t>𝑤</m:t>
+                          </m:r>
+                        </m:e>
+                        <m:sub>
+                          <m:r>
+                            <a:rPr lang="en-GB" sz="2200" b="0" i="1" smtClean="0">
+                              <a:latin typeface="Cambria Math" panose="02040503050406030204" pitchFamily="18" charset="0"/>
+                            </a:rPr>
+                            <m:t>1</m:t>
+                          </m:r>
+                        </m:sub>
+                      </m:sSub>
+                      <m:sSub>
+                        <m:sSubPr>
+                          <m:ctrlPr>
+                            <a:rPr lang="en-GB" sz="2200" i="1" smtClean="0">
+                              <a:latin typeface="Cambria Math" panose="02040503050406030204" pitchFamily="18" charset="0"/>
+                            </a:rPr>
+                          </m:ctrlPr>
+                        </m:sSubPr>
+                        <m:e>
+                          <m:r>
+                            <a:rPr lang="en-GB" sz="2200" b="0" i="1" smtClean="0">
+                              <a:latin typeface="Cambria Math" panose="02040503050406030204" pitchFamily="18" charset="0"/>
+                            </a:rPr>
+                            <m:t>𝑥</m:t>
+                          </m:r>
+                        </m:e>
+                        <m:sub>
+                          <m:r>
+                            <a:rPr lang="en-GB" sz="2200" b="0" i="1" smtClean="0">
+                              <a:latin typeface="Cambria Math" panose="02040503050406030204" pitchFamily="18" charset="0"/>
+                            </a:rPr>
+                            <m:t>1</m:t>
+                          </m:r>
+                        </m:sub>
+                      </m:sSub>
+                      <m:r>
+                        <a:rPr lang="en-GB" sz="2200" b="0" i="1" smtClean="0">
+                          <a:latin typeface="Cambria Math" panose="02040503050406030204" pitchFamily="18" charset="0"/>
+                        </a:rPr>
+                        <m:t>+</m:t>
+                      </m:r>
+                      <m:sSub>
+                        <m:sSubPr>
+                          <m:ctrlPr>
+                            <a:rPr lang="en-GB" sz="2200" i="1" smtClean="0">
+                              <a:latin typeface="Cambria Math" panose="02040503050406030204" pitchFamily="18" charset="0"/>
+                            </a:rPr>
+                          </m:ctrlPr>
+                        </m:sSubPr>
+                        <m:e>
+                          <m:r>
+                            <a:rPr lang="en-GB" sz="2200" b="0" i="1" smtClean="0">
+                              <a:latin typeface="Cambria Math" panose="02040503050406030204" pitchFamily="18" charset="0"/>
+                            </a:rPr>
+                            <m:t>𝑤</m:t>
+                          </m:r>
+                        </m:e>
+                        <m:sub>
+                          <m:r>
+                            <a:rPr lang="en-GB" sz="2200" b="0" i="1" smtClean="0">
+                              <a:latin typeface="Cambria Math" panose="02040503050406030204" pitchFamily="18" charset="0"/>
+                            </a:rPr>
+                            <m:t>2</m:t>
+                          </m:r>
+                        </m:sub>
+                      </m:sSub>
+                      <m:sSub>
+                        <m:sSubPr>
+                          <m:ctrlPr>
+                            <a:rPr lang="en-GB" sz="2200" i="1" smtClean="0">
+                              <a:latin typeface="Cambria Math" panose="02040503050406030204" pitchFamily="18" charset="0"/>
+                            </a:rPr>
+                          </m:ctrlPr>
+                        </m:sSubPr>
+                        <m:e>
+                          <m:r>
+                            <a:rPr lang="en-GB" sz="2200" b="0" i="1" smtClean="0">
+                              <a:latin typeface="Cambria Math" panose="02040503050406030204" pitchFamily="18" charset="0"/>
+                            </a:rPr>
+                            <m:t>𝑥</m:t>
+                          </m:r>
+                        </m:e>
+                        <m:sub>
+                          <m:r>
+                            <a:rPr lang="en-GB" sz="2200" b="0" i="1" smtClean="0">
+                              <a:latin typeface="Cambria Math" panose="02040503050406030204" pitchFamily="18" charset="0"/>
+                            </a:rPr>
+                            <m:t>2</m:t>
+                          </m:r>
+                        </m:sub>
+                      </m:sSub>
+                      <m:r>
+                        <a:rPr lang="en-GB" sz="2200" b="0" i="1" smtClean="0">
+                          <a:latin typeface="Cambria Math" panose="02040503050406030204" pitchFamily="18" charset="0"/>
+                        </a:rPr>
+                        <m:t>+</m:t>
+                      </m:r>
+                      <m:sSub>
+                        <m:sSubPr>
+                          <m:ctrlPr>
+                            <a:rPr lang="en-GB" sz="2200" i="1" smtClean="0">
+                              <a:latin typeface="Cambria Math" panose="02040503050406030204" pitchFamily="18" charset="0"/>
+                            </a:rPr>
+                          </m:ctrlPr>
+                        </m:sSubPr>
+                        <m:e>
+                          <m:r>
+                            <a:rPr lang="en-GB" sz="2200" b="0" i="1" smtClean="0">
+                              <a:latin typeface="Cambria Math" panose="02040503050406030204" pitchFamily="18" charset="0"/>
+                            </a:rPr>
+                            <m:t>𝑤</m:t>
+                          </m:r>
+                        </m:e>
+                        <m:sub>
+                          <m:r>
+                            <a:rPr lang="en-GB" sz="2200" b="0" i="1" smtClean="0">
+                              <a:latin typeface="Cambria Math" panose="02040503050406030204" pitchFamily="18" charset="0"/>
+                            </a:rPr>
+                            <m:t>3</m:t>
+                          </m:r>
+                        </m:sub>
+                      </m:sSub>
+                      <m:sSub>
+                        <m:sSubPr>
+                          <m:ctrlPr>
+                            <a:rPr lang="en-GB" sz="2200" i="1" smtClean="0">
+                              <a:latin typeface="Cambria Math" panose="02040503050406030204" pitchFamily="18" charset="0"/>
+                            </a:rPr>
+                          </m:ctrlPr>
+                        </m:sSubPr>
+                        <m:e>
+                          <m:r>
+                            <a:rPr lang="en-GB" sz="2200" b="0" i="1" smtClean="0">
+                              <a:latin typeface="Cambria Math" panose="02040503050406030204" pitchFamily="18" charset="0"/>
+                            </a:rPr>
+                            <m:t>𝑥</m:t>
+                          </m:r>
+                        </m:e>
+                        <m:sub>
+                          <m:r>
+                            <a:rPr lang="en-GB" sz="2200" b="0" i="1" smtClean="0">
+                              <a:latin typeface="Cambria Math" panose="02040503050406030204" pitchFamily="18" charset="0"/>
+                            </a:rPr>
+                            <m:t>3</m:t>
+                          </m:r>
+                        </m:sub>
+                      </m:sSub>
+                      <m:r>
+                        <a:rPr lang="en-GB" sz="2200" b="0" i="1" smtClean="0">
+                          <a:latin typeface="Cambria Math" panose="02040503050406030204" pitchFamily="18" charset="0"/>
+                        </a:rPr>
+                        <m:t>+</m:t>
+                      </m:r>
+                      <m:r>
+                        <a:rPr lang="en-GB" sz="2200" b="0" i="1" smtClean="0">
+                          <a:latin typeface="Cambria Math" panose="02040503050406030204" pitchFamily="18" charset="0"/>
+                        </a:rPr>
+                        <m:t>𝑏</m:t>
+                      </m:r>
+                      <m:r>
+                        <a:rPr lang="en-GB" sz="2200" b="0" i="1" smtClean="0">
+                          <a:latin typeface="Cambria Math" panose="02040503050406030204" pitchFamily="18" charset="0"/>
+                        </a:rPr>
+                        <m:t>)</m:t>
+                      </m:r>
+                    </m:oMath>
+                  </m:oMathPara>
+                </a14:m>
+                <a:endParaRPr lang="en-DE" sz="2200" i="1" dirty="0"/>
+              </a:p>
+            </p:txBody>
+          </p:sp>
+        </mc:Choice>
+        <mc:Fallback>
+          <p:sp>
+            <p:nvSpPr>
+              <p:cNvPr id="3" name="TextBox 2">
+                <a:extLst>
+                  <a:ext uri="{FF2B5EF4-FFF2-40B4-BE49-F238E27FC236}">
+                    <a16:creationId xmlns:a16="http://schemas.microsoft.com/office/drawing/2014/main" id="{E5CAB3D4-D50F-45AE-BEFA-AE82174CEDF1}"/>
+                  </a:ext>
+                </a:extLst>
+              </p:cNvPr>
+              <p:cNvSpPr txBox="1">
+                <a:spLocks noRot="1" noChangeAspect="1" noMove="1" noResize="1" noEditPoints="1" noAdjustHandles="1" noChangeArrowheads="1" noChangeShapeType="1" noTextEdit="1"/>
+              </p:cNvSpPr>
+              <p:nvPr/>
+            </p:nvSpPr>
+            <p:spPr>
+              <a:xfrm>
+                <a:off x="4849168" y="4022059"/>
+                <a:ext cx="4322273" cy="677108"/>
+              </a:xfrm>
+              <a:prstGeom prst="rect">
+                <a:avLst/>
+              </a:prstGeom>
+              <a:blipFill>
+                <a:blip r:embed="rId13"/>
+                <a:stretch>
+                  <a:fillRect l="-1690" r="-1690" b="-16216"/>
+                </a:stretch>
+              </a:blipFill>
+            </p:spPr>
+            <p:txBody>
+              <a:bodyPr/>
+              <a:lstStyle/>
+              <a:p>
+                <a:r>
+                  <a:rPr lang="en-DE">
+                    <a:noFill/>
+                  </a:rPr>
+                  <a:t> </a:t>
+                </a:r>
+              </a:p>
+            </p:txBody>
+          </p:sp>
+        </mc:Fallback>
+      </mc:AlternateContent>
     </p:spTree>
     <p:extLst>
       <p:ext uri="{BB962C8B-B14F-4D97-AF65-F5344CB8AC3E}">
